--- a/Report/시스템 구성도.pptx
+++ b/Report/시스템 구성도.pptx
@@ -5,8 +5,7 @@
     <p:sldMasterId id="2147483648" r:id="rId1"/>
   </p:sldMasterIdLst>
   <p:sldIdLst>
-    <p:sldId id="256" r:id="rId2"/>
-    <p:sldId id="258" r:id="rId3"/>
+    <p:sldId id="258" r:id="rId2"/>
   </p:sldIdLst>
   <p:sldSz cx="12192000" cy="6858000"/>
   <p:notesSz cx="6858000" cy="9144000"/>
@@ -260,7 +259,7 @@
           <a:p>
             <a:fld id="{B43DF97D-1974-4B81-8CFC-289288CF16EF}" type="datetimeFigureOut">
               <a:rPr lang="ko-KR" altLang="en-US" smtClean="0"/>
-              <a:t>2019-03-29</a:t>
+              <a:t>2019-03-30</a:t>
             </a:fld>
             <a:endParaRPr lang="ko-KR" altLang="en-US"/>
           </a:p>
@@ -458,7 +457,7 @@
           <a:p>
             <a:fld id="{B43DF97D-1974-4B81-8CFC-289288CF16EF}" type="datetimeFigureOut">
               <a:rPr lang="ko-KR" altLang="en-US" smtClean="0"/>
-              <a:t>2019-03-29</a:t>
+              <a:t>2019-03-30</a:t>
             </a:fld>
             <a:endParaRPr lang="ko-KR" altLang="en-US"/>
           </a:p>
@@ -666,7 +665,7 @@
           <a:p>
             <a:fld id="{B43DF97D-1974-4B81-8CFC-289288CF16EF}" type="datetimeFigureOut">
               <a:rPr lang="ko-KR" altLang="en-US" smtClean="0"/>
-              <a:t>2019-03-29</a:t>
+              <a:t>2019-03-30</a:t>
             </a:fld>
             <a:endParaRPr lang="ko-KR" altLang="en-US"/>
           </a:p>
@@ -864,7 +863,7 @@
           <a:p>
             <a:fld id="{B43DF97D-1974-4B81-8CFC-289288CF16EF}" type="datetimeFigureOut">
               <a:rPr lang="ko-KR" altLang="en-US" smtClean="0"/>
-              <a:t>2019-03-29</a:t>
+              <a:t>2019-03-30</a:t>
             </a:fld>
             <a:endParaRPr lang="ko-KR" altLang="en-US"/>
           </a:p>
@@ -1139,7 +1138,7 @@
           <a:p>
             <a:fld id="{B43DF97D-1974-4B81-8CFC-289288CF16EF}" type="datetimeFigureOut">
               <a:rPr lang="ko-KR" altLang="en-US" smtClean="0"/>
-              <a:t>2019-03-29</a:t>
+              <a:t>2019-03-30</a:t>
             </a:fld>
             <a:endParaRPr lang="ko-KR" altLang="en-US"/>
           </a:p>
@@ -1404,7 +1403,7 @@
           <a:p>
             <a:fld id="{B43DF97D-1974-4B81-8CFC-289288CF16EF}" type="datetimeFigureOut">
               <a:rPr lang="ko-KR" altLang="en-US" smtClean="0"/>
-              <a:t>2019-03-29</a:t>
+              <a:t>2019-03-30</a:t>
             </a:fld>
             <a:endParaRPr lang="ko-KR" altLang="en-US"/>
           </a:p>
@@ -1816,7 +1815,7 @@
           <a:p>
             <a:fld id="{B43DF97D-1974-4B81-8CFC-289288CF16EF}" type="datetimeFigureOut">
               <a:rPr lang="ko-KR" altLang="en-US" smtClean="0"/>
-              <a:t>2019-03-29</a:t>
+              <a:t>2019-03-30</a:t>
             </a:fld>
             <a:endParaRPr lang="ko-KR" altLang="en-US"/>
           </a:p>
@@ -1957,7 +1956,7 @@
           <a:p>
             <a:fld id="{B43DF97D-1974-4B81-8CFC-289288CF16EF}" type="datetimeFigureOut">
               <a:rPr lang="ko-KR" altLang="en-US" smtClean="0"/>
-              <a:t>2019-03-29</a:t>
+              <a:t>2019-03-30</a:t>
             </a:fld>
             <a:endParaRPr lang="ko-KR" altLang="en-US"/>
           </a:p>
@@ -2070,7 +2069,7 @@
           <a:p>
             <a:fld id="{B43DF97D-1974-4B81-8CFC-289288CF16EF}" type="datetimeFigureOut">
               <a:rPr lang="ko-KR" altLang="en-US" smtClean="0"/>
-              <a:t>2019-03-29</a:t>
+              <a:t>2019-03-30</a:t>
             </a:fld>
             <a:endParaRPr lang="ko-KR" altLang="en-US"/>
           </a:p>
@@ -2381,7 +2380,7 @@
           <a:p>
             <a:fld id="{B43DF97D-1974-4B81-8CFC-289288CF16EF}" type="datetimeFigureOut">
               <a:rPr lang="ko-KR" altLang="en-US" smtClean="0"/>
-              <a:t>2019-03-29</a:t>
+              <a:t>2019-03-30</a:t>
             </a:fld>
             <a:endParaRPr lang="ko-KR" altLang="en-US"/>
           </a:p>
@@ -2669,7 +2668,7 @@
           <a:p>
             <a:fld id="{B43DF97D-1974-4B81-8CFC-289288CF16EF}" type="datetimeFigureOut">
               <a:rPr lang="ko-KR" altLang="en-US" smtClean="0"/>
-              <a:t>2019-03-29</a:t>
+              <a:t>2019-03-30</a:t>
             </a:fld>
             <a:endParaRPr lang="ko-KR" altLang="en-US"/>
           </a:p>
@@ -2910,7 +2909,7 @@
           <a:p>
             <a:fld id="{B43DF97D-1974-4B81-8CFC-289288CF16EF}" type="datetimeFigureOut">
               <a:rPr lang="ko-KR" altLang="en-US" smtClean="0"/>
-              <a:t>2019-03-29</a:t>
+              <a:t>2019-03-30</a:t>
             </a:fld>
             <a:endParaRPr lang="ko-KR" altLang="en-US"/>
           </a:p>
@@ -3311,971 +3310,6 @@
 </file>
 
 <file path=ppt/slides/slide1.xml><?xml version="1.0" encoding="utf-8"?>
-<p:sld xmlns:a="http://schemas.openxmlformats.org/drawingml/2006/main" xmlns:r="http://schemas.openxmlformats.org/officeDocument/2006/relationships" xmlns:p="http://schemas.openxmlformats.org/presentationml/2006/main">
-  <p:cSld>
-    <p:spTree>
-      <p:nvGrpSpPr>
-        <p:cNvPr id="1" name=""/>
-        <p:cNvGrpSpPr/>
-        <p:nvPr/>
-      </p:nvGrpSpPr>
-      <p:grpSpPr>
-        <a:xfrm>
-          <a:off x="0" y="0"/>
-          <a:ext cx="0" cy="0"/>
-          <a:chOff x="0" y="0"/>
-          <a:chExt cx="0" cy="0"/>
-        </a:xfrm>
-      </p:grpSpPr>
-      <p:pic>
-        <p:nvPicPr>
-          <p:cNvPr id="5" name="그래픽 4" descr="개">
-            <a:extLst>
-              <a:ext uri="{FF2B5EF4-FFF2-40B4-BE49-F238E27FC236}">
-                <a16:creationId xmlns:a16="http://schemas.microsoft.com/office/drawing/2014/main" id="{41434418-43F0-4969-B1F8-F70DD917F54E}"/>
-              </a:ext>
-            </a:extLst>
-          </p:cNvPr>
-          <p:cNvPicPr>
-            <a:picLocks noChangeAspect="1"/>
-          </p:cNvPicPr>
-          <p:nvPr/>
-        </p:nvPicPr>
-        <p:blipFill>
-          <a:blip r:embed="rId2">
-            <a:extLst>
-              <a:ext uri="{28A0092B-C50C-407E-A947-70E740481C1C}">
-                <a14:useLocalDpi xmlns:a14="http://schemas.microsoft.com/office/drawing/2010/main" val="0"/>
-              </a:ext>
-              <a:ext uri="{96DAC541-7B7A-43D3-8B79-37D633B846F1}">
-                <asvg:svgBlip xmlns:asvg="http://schemas.microsoft.com/office/drawing/2016/SVG/main" r:embed="rId3"/>
-              </a:ext>
-            </a:extLst>
-          </a:blip>
-          <a:stretch>
-            <a:fillRect/>
-          </a:stretch>
-        </p:blipFill>
-        <p:spPr>
-          <a:xfrm>
-            <a:off x="9421627" y="2248169"/>
-            <a:ext cx="1715588" cy="2233353"/>
-          </a:xfrm>
-          <a:prstGeom prst="rect">
-            <a:avLst/>
-          </a:prstGeom>
-        </p:spPr>
-      </p:pic>
-      <p:pic>
-        <p:nvPicPr>
-          <p:cNvPr id="9" name="그래픽 8" descr="서버">
-            <a:extLst>
-              <a:ext uri="{FF2B5EF4-FFF2-40B4-BE49-F238E27FC236}">
-                <a16:creationId xmlns:a16="http://schemas.microsoft.com/office/drawing/2014/main" id="{D92EF7FB-FF26-46C8-B2B1-EC993D7EB2E1}"/>
-              </a:ext>
-            </a:extLst>
-          </p:cNvPr>
-          <p:cNvPicPr>
-            <a:picLocks noChangeAspect="1"/>
-          </p:cNvPicPr>
-          <p:nvPr/>
-        </p:nvPicPr>
-        <p:blipFill>
-          <a:blip r:embed="rId4">
-            <a:extLst>
-              <a:ext uri="{28A0092B-C50C-407E-A947-70E740481C1C}">
-                <a14:useLocalDpi xmlns:a14="http://schemas.microsoft.com/office/drawing/2010/main" val="0"/>
-              </a:ext>
-              <a:ext uri="{96DAC541-7B7A-43D3-8B79-37D633B846F1}">
-                <asvg:svgBlip xmlns:asvg="http://schemas.microsoft.com/office/drawing/2016/SVG/main" r:embed="rId5"/>
-              </a:ext>
-            </a:extLst>
-          </a:blip>
-          <a:stretch>
-            <a:fillRect/>
-          </a:stretch>
-        </p:blipFill>
-        <p:spPr>
-          <a:xfrm>
-            <a:off x="3193335" y="2549874"/>
-            <a:ext cx="1594513" cy="1594513"/>
-          </a:xfrm>
-          <a:prstGeom prst="rect">
-            <a:avLst/>
-          </a:prstGeom>
-        </p:spPr>
-      </p:pic>
-      <p:pic>
-        <p:nvPicPr>
-          <p:cNvPr id="11" name="그래픽 10" descr="스마트폰">
-            <a:extLst>
-              <a:ext uri="{FF2B5EF4-FFF2-40B4-BE49-F238E27FC236}">
-                <a16:creationId xmlns:a16="http://schemas.microsoft.com/office/drawing/2014/main" id="{853EBEC7-1ED5-4A90-940F-2E95E01CC2A1}"/>
-              </a:ext>
-            </a:extLst>
-          </p:cNvPr>
-          <p:cNvPicPr>
-            <a:picLocks noChangeAspect="1"/>
-          </p:cNvPicPr>
-          <p:nvPr/>
-        </p:nvPicPr>
-        <p:blipFill>
-          <a:blip r:embed="rId6">
-            <a:extLst>
-              <a:ext uri="{28A0092B-C50C-407E-A947-70E740481C1C}">
-                <a14:useLocalDpi xmlns:a14="http://schemas.microsoft.com/office/drawing/2010/main" val="0"/>
-              </a:ext>
-              <a:ext uri="{96DAC541-7B7A-43D3-8B79-37D633B846F1}">
-                <asvg:svgBlip xmlns:asvg="http://schemas.microsoft.com/office/drawing/2016/SVG/main" r:embed="rId7"/>
-              </a:ext>
-            </a:extLst>
-          </a:blip>
-          <a:stretch>
-            <a:fillRect/>
-          </a:stretch>
-        </p:blipFill>
-        <p:spPr>
-          <a:xfrm>
-            <a:off x="934745" y="2616833"/>
-            <a:ext cx="1460596" cy="1460596"/>
-          </a:xfrm>
-          <a:prstGeom prst="rect">
-            <a:avLst/>
-          </a:prstGeom>
-        </p:spPr>
-      </p:pic>
-      <p:pic>
-        <p:nvPicPr>
-          <p:cNvPr id="13" name="그래픽 12" descr="웹 캠">
-            <a:extLst>
-              <a:ext uri="{FF2B5EF4-FFF2-40B4-BE49-F238E27FC236}">
-                <a16:creationId xmlns:a16="http://schemas.microsoft.com/office/drawing/2014/main" id="{ABF0C810-0005-4DCC-9847-923C6B36DE63}"/>
-              </a:ext>
-            </a:extLst>
-          </p:cNvPr>
-          <p:cNvPicPr>
-            <a:picLocks noChangeAspect="1"/>
-          </p:cNvPicPr>
-          <p:nvPr/>
-        </p:nvPicPr>
-        <p:blipFill>
-          <a:blip r:embed="rId8">
-            <a:extLst>
-              <a:ext uri="{28A0092B-C50C-407E-A947-70E740481C1C}">
-                <a14:useLocalDpi xmlns:a14="http://schemas.microsoft.com/office/drawing/2010/main" val="0"/>
-              </a:ext>
-              <a:ext uri="{96DAC541-7B7A-43D3-8B79-37D633B846F1}">
-                <asvg:svgBlip xmlns:asvg="http://schemas.microsoft.com/office/drawing/2016/SVG/main" r:embed="rId9"/>
-              </a:ext>
-            </a:extLst>
-          </a:blip>
-          <a:stretch>
-            <a:fillRect/>
-          </a:stretch>
-        </p:blipFill>
-        <p:spPr>
-          <a:xfrm>
-            <a:off x="6587887" y="1661490"/>
-            <a:ext cx="1341018" cy="1341018"/>
-          </a:xfrm>
-          <a:prstGeom prst="rect">
-            <a:avLst/>
-          </a:prstGeom>
-        </p:spPr>
-      </p:pic>
-      <p:pic>
-        <p:nvPicPr>
-          <p:cNvPr id="14" name="그래픽 13" descr="웹 캠">
-            <a:extLst>
-              <a:ext uri="{FF2B5EF4-FFF2-40B4-BE49-F238E27FC236}">
-                <a16:creationId xmlns:a16="http://schemas.microsoft.com/office/drawing/2014/main" id="{B5E505D1-389A-4628-AA0D-2A80FD9C1F75}"/>
-              </a:ext>
-            </a:extLst>
-          </p:cNvPr>
-          <p:cNvPicPr>
-            <a:picLocks noChangeAspect="1"/>
-          </p:cNvPicPr>
-          <p:nvPr/>
-        </p:nvPicPr>
-        <p:blipFill>
-          <a:blip r:embed="rId8">
-            <a:extLst>
-              <a:ext uri="{28A0092B-C50C-407E-A947-70E740481C1C}">
-                <a14:useLocalDpi xmlns:a14="http://schemas.microsoft.com/office/drawing/2010/main" val="0"/>
-              </a:ext>
-              <a:ext uri="{96DAC541-7B7A-43D3-8B79-37D633B846F1}">
-                <asvg:svgBlip xmlns:asvg="http://schemas.microsoft.com/office/drawing/2016/SVG/main" r:embed="rId9"/>
-              </a:ext>
-            </a:extLst>
-          </a:blip>
-          <a:stretch>
-            <a:fillRect/>
-          </a:stretch>
-        </p:blipFill>
-        <p:spPr>
-          <a:xfrm>
-            <a:off x="6587887" y="3811013"/>
-            <a:ext cx="1341018" cy="1341018"/>
-          </a:xfrm>
-          <a:prstGeom prst="rect">
-            <a:avLst/>
-          </a:prstGeom>
-        </p:spPr>
-      </p:pic>
-      <p:cxnSp>
-        <p:nvCxnSpPr>
-          <p:cNvPr id="16" name="직선 화살표 연결선 15">
-            <a:extLst>
-              <a:ext uri="{FF2B5EF4-FFF2-40B4-BE49-F238E27FC236}">
-                <a16:creationId xmlns:a16="http://schemas.microsoft.com/office/drawing/2014/main" id="{CA249EC7-E414-414C-8C86-3B72B320B5AD}"/>
-              </a:ext>
-            </a:extLst>
-          </p:cNvPr>
-          <p:cNvCxnSpPr>
-            <a:stCxn id="11" idx="3"/>
-            <a:endCxn id="9" idx="1"/>
-          </p:cNvCxnSpPr>
-          <p:nvPr/>
-        </p:nvCxnSpPr>
-        <p:spPr>
-          <a:xfrm>
-            <a:off x="2395341" y="3347131"/>
-            <a:ext cx="797994" cy="0"/>
-          </a:xfrm>
-          <a:prstGeom prst="straightConnector1">
-            <a:avLst/>
-          </a:prstGeom>
-          <a:ln>
-            <a:headEnd type="triangle"/>
-            <a:tailEnd type="triangle"/>
-          </a:ln>
-        </p:spPr>
-        <p:style>
-          <a:lnRef idx="1">
-            <a:schemeClr val="dk1"/>
-          </a:lnRef>
-          <a:fillRef idx="0">
-            <a:schemeClr val="dk1"/>
-          </a:fillRef>
-          <a:effectRef idx="0">
-            <a:schemeClr val="dk1"/>
-          </a:effectRef>
-          <a:fontRef idx="minor">
-            <a:schemeClr val="tx1"/>
-          </a:fontRef>
-        </p:style>
-      </p:cxnSp>
-      <p:sp>
-        <p:nvSpPr>
-          <p:cNvPr id="17" name="TextBox 16">
-            <a:extLst>
-              <a:ext uri="{FF2B5EF4-FFF2-40B4-BE49-F238E27FC236}">
-                <a16:creationId xmlns:a16="http://schemas.microsoft.com/office/drawing/2014/main" id="{84E4AF43-A1D4-43B7-AFAB-0E7C52A9AABB}"/>
-              </a:ext>
-            </a:extLst>
-          </p:cNvPr>
-          <p:cNvSpPr txBox="1"/>
-          <p:nvPr/>
-        </p:nvSpPr>
-        <p:spPr>
-          <a:xfrm>
-            <a:off x="2095655" y="2992271"/>
-            <a:ext cx="1594513" cy="276999"/>
-          </a:xfrm>
-          <a:prstGeom prst="rect">
-            <a:avLst/>
-          </a:prstGeom>
-          <a:noFill/>
-        </p:spPr>
-        <p:txBody>
-          <a:bodyPr wrap="square" rtlCol="0">
-            <a:spAutoFit/>
-          </a:bodyPr>
-          <a:lstStyle/>
-          <a:p>
-            <a:r>
-              <a:rPr lang="ko-KR" altLang="en-US" sz="1200" dirty="0"/>
-              <a:t>훈련 및 기계 제어</a:t>
-            </a:r>
-          </a:p>
-        </p:txBody>
-      </p:sp>
-      <p:sp>
-        <p:nvSpPr>
-          <p:cNvPr id="19" name="TextBox 18">
-            <a:extLst>
-              <a:ext uri="{FF2B5EF4-FFF2-40B4-BE49-F238E27FC236}">
-                <a16:creationId xmlns:a16="http://schemas.microsoft.com/office/drawing/2014/main" id="{E542A13B-E914-43A9-BEF3-CD1DD5EF3C8F}"/>
-              </a:ext>
-            </a:extLst>
-          </p:cNvPr>
-          <p:cNvSpPr txBox="1"/>
-          <p:nvPr/>
-        </p:nvSpPr>
-        <p:spPr>
-          <a:xfrm>
-            <a:off x="1096386" y="4187756"/>
-            <a:ext cx="1594513" cy="276999"/>
-          </a:xfrm>
-          <a:prstGeom prst="rect">
-            <a:avLst/>
-          </a:prstGeom>
-          <a:noFill/>
-        </p:spPr>
-        <p:txBody>
-          <a:bodyPr wrap="square" rtlCol="0">
-            <a:spAutoFit/>
-          </a:bodyPr>
-          <a:lstStyle/>
-          <a:p>
-            <a:r>
-              <a:rPr lang="ko-KR" altLang="en-US" sz="1200" dirty="0"/>
-              <a:t>안드로이드 앱</a:t>
-            </a:r>
-          </a:p>
-        </p:txBody>
-      </p:sp>
-      <p:sp>
-        <p:nvSpPr>
-          <p:cNvPr id="20" name="TextBox 19">
-            <a:extLst>
-              <a:ext uri="{FF2B5EF4-FFF2-40B4-BE49-F238E27FC236}">
-                <a16:creationId xmlns:a16="http://schemas.microsoft.com/office/drawing/2014/main" id="{B65717F2-1713-49E9-9A75-40E17922E248}"/>
-              </a:ext>
-            </a:extLst>
-          </p:cNvPr>
-          <p:cNvSpPr txBox="1"/>
-          <p:nvPr/>
-        </p:nvSpPr>
-        <p:spPr>
-          <a:xfrm>
-            <a:off x="3744481" y="4187756"/>
-            <a:ext cx="1594513" cy="276999"/>
-          </a:xfrm>
-          <a:prstGeom prst="rect">
-            <a:avLst/>
-          </a:prstGeom>
-          <a:noFill/>
-        </p:spPr>
-        <p:txBody>
-          <a:bodyPr wrap="square" rtlCol="0">
-            <a:spAutoFit/>
-          </a:bodyPr>
-          <a:lstStyle/>
-          <a:p>
-            <a:r>
-              <a:rPr lang="ko-KR" altLang="en-US" sz="1200" dirty="0"/>
-              <a:t>서버</a:t>
-            </a:r>
-          </a:p>
-        </p:txBody>
-      </p:sp>
-      <p:cxnSp>
-        <p:nvCxnSpPr>
-          <p:cNvPr id="21" name="직선 화살표 연결선 20">
-            <a:extLst>
-              <a:ext uri="{FF2B5EF4-FFF2-40B4-BE49-F238E27FC236}">
-                <a16:creationId xmlns:a16="http://schemas.microsoft.com/office/drawing/2014/main" id="{3A403A12-606F-4AB4-9693-56E7082769ED}"/>
-              </a:ext>
-            </a:extLst>
-          </p:cNvPr>
-          <p:cNvCxnSpPr>
-            <a:cxnSpLocks/>
-            <a:stCxn id="9" idx="3"/>
-            <a:endCxn id="13" idx="1"/>
-          </p:cNvCxnSpPr>
-          <p:nvPr/>
-        </p:nvCxnSpPr>
-        <p:spPr>
-          <a:xfrm flipV="1">
-            <a:off x="4787848" y="2331999"/>
-            <a:ext cx="1800039" cy="1015132"/>
-          </a:xfrm>
-          <a:prstGeom prst="bentConnector3">
-            <a:avLst>
-              <a:gd name="adj1" fmla="val 72577"/>
-            </a:avLst>
-          </a:prstGeom>
-          <a:ln>
-            <a:headEnd type="triangle"/>
-            <a:tailEnd type="triangle"/>
-          </a:ln>
-        </p:spPr>
-        <p:style>
-          <a:lnRef idx="1">
-            <a:schemeClr val="dk1"/>
-          </a:lnRef>
-          <a:fillRef idx="0">
-            <a:schemeClr val="dk1"/>
-          </a:fillRef>
-          <a:effectRef idx="0">
-            <a:schemeClr val="dk1"/>
-          </a:effectRef>
-          <a:fontRef idx="minor">
-            <a:schemeClr val="tx1"/>
-          </a:fontRef>
-        </p:style>
-      </p:cxnSp>
-      <p:cxnSp>
-        <p:nvCxnSpPr>
-          <p:cNvPr id="24" name="직선 화살표 연결선 23">
-            <a:extLst>
-              <a:ext uri="{FF2B5EF4-FFF2-40B4-BE49-F238E27FC236}">
-                <a16:creationId xmlns:a16="http://schemas.microsoft.com/office/drawing/2014/main" id="{E3BEE99B-F7BE-48FD-8ACD-8F00AF03B2E2}"/>
-              </a:ext>
-            </a:extLst>
-          </p:cNvPr>
-          <p:cNvCxnSpPr>
-            <a:cxnSpLocks/>
-            <a:stCxn id="9" idx="3"/>
-            <a:endCxn id="14" idx="1"/>
-          </p:cNvCxnSpPr>
-          <p:nvPr/>
-        </p:nvCxnSpPr>
-        <p:spPr>
-          <a:xfrm>
-            <a:off x="4787848" y="3347131"/>
-            <a:ext cx="1800039" cy="1134391"/>
-          </a:xfrm>
-          <a:prstGeom prst="bentConnector3">
-            <a:avLst>
-              <a:gd name="adj1" fmla="val 72577"/>
-            </a:avLst>
-          </a:prstGeom>
-          <a:ln>
-            <a:headEnd type="triangle"/>
-            <a:tailEnd type="triangle"/>
-          </a:ln>
-        </p:spPr>
-        <p:style>
-          <a:lnRef idx="1">
-            <a:schemeClr val="dk1"/>
-          </a:lnRef>
-          <a:fillRef idx="0">
-            <a:schemeClr val="dk1"/>
-          </a:fillRef>
-          <a:effectRef idx="0">
-            <a:schemeClr val="dk1"/>
-          </a:effectRef>
-          <a:fontRef idx="minor">
-            <a:schemeClr val="tx1"/>
-          </a:fontRef>
-        </p:style>
-      </p:cxnSp>
-      <p:sp>
-        <p:nvSpPr>
-          <p:cNvPr id="27" name="TextBox 26">
-            <a:extLst>
-              <a:ext uri="{FF2B5EF4-FFF2-40B4-BE49-F238E27FC236}">
-                <a16:creationId xmlns:a16="http://schemas.microsoft.com/office/drawing/2014/main" id="{15209AE3-7625-45E6-A089-8266ABEDA016}"/>
-              </a:ext>
-            </a:extLst>
-          </p:cNvPr>
-          <p:cNvSpPr txBox="1"/>
-          <p:nvPr/>
-        </p:nvSpPr>
-        <p:spPr>
-          <a:xfrm>
-            <a:off x="6694603" y="2922168"/>
-            <a:ext cx="1594513" cy="276999"/>
-          </a:xfrm>
-          <a:prstGeom prst="rect">
-            <a:avLst/>
-          </a:prstGeom>
-          <a:noFill/>
-        </p:spPr>
-        <p:txBody>
-          <a:bodyPr wrap="square" rtlCol="0">
-            <a:spAutoFit/>
-          </a:bodyPr>
-          <a:lstStyle/>
-          <a:p>
-            <a:r>
-              <a:rPr lang="ko-KR" altLang="en-US" sz="1200" dirty="0"/>
-              <a:t>메인 디바이스</a:t>
-            </a:r>
-          </a:p>
-        </p:txBody>
-      </p:sp>
-      <p:sp>
-        <p:nvSpPr>
-          <p:cNvPr id="28" name="TextBox 27">
-            <a:extLst>
-              <a:ext uri="{FF2B5EF4-FFF2-40B4-BE49-F238E27FC236}">
-                <a16:creationId xmlns:a16="http://schemas.microsoft.com/office/drawing/2014/main" id="{CE4DEF5E-CF6E-41A9-9C87-AE6FC5D12CC9}"/>
-              </a:ext>
-            </a:extLst>
-          </p:cNvPr>
-          <p:cNvSpPr txBox="1"/>
-          <p:nvPr/>
-        </p:nvSpPr>
-        <p:spPr>
-          <a:xfrm>
-            <a:off x="6694603" y="5058010"/>
-            <a:ext cx="1594513" cy="276999"/>
-          </a:xfrm>
-          <a:prstGeom prst="rect">
-            <a:avLst/>
-          </a:prstGeom>
-          <a:noFill/>
-        </p:spPr>
-        <p:txBody>
-          <a:bodyPr wrap="square" rtlCol="0">
-            <a:spAutoFit/>
-          </a:bodyPr>
-          <a:lstStyle/>
-          <a:p>
-            <a:r>
-              <a:rPr lang="ko-KR" altLang="en-US" sz="1200" dirty="0"/>
-              <a:t>서브 디바이스</a:t>
-            </a:r>
-          </a:p>
-        </p:txBody>
-      </p:sp>
-      <p:sp>
-        <p:nvSpPr>
-          <p:cNvPr id="29" name="TextBox 28">
-            <a:extLst>
-              <a:ext uri="{FF2B5EF4-FFF2-40B4-BE49-F238E27FC236}">
-                <a16:creationId xmlns:a16="http://schemas.microsoft.com/office/drawing/2014/main" id="{B2FF4F2C-96C5-43DE-8996-93B563560BE3}"/>
-              </a:ext>
-            </a:extLst>
-          </p:cNvPr>
-          <p:cNvSpPr txBox="1"/>
-          <p:nvPr/>
-        </p:nvSpPr>
-        <p:spPr>
-          <a:xfrm>
-            <a:off x="5210976" y="3718026"/>
-            <a:ext cx="1594513" cy="461665"/>
-          </a:xfrm>
-          <a:prstGeom prst="rect">
-            <a:avLst/>
-          </a:prstGeom>
-          <a:noFill/>
-        </p:spPr>
-        <p:txBody>
-          <a:bodyPr wrap="square" rtlCol="0">
-            <a:spAutoFit/>
-          </a:bodyPr>
-          <a:lstStyle/>
-          <a:p>
-            <a:r>
-              <a:rPr lang="ko-KR" altLang="en-US" sz="1200" dirty="0"/>
-              <a:t>배변 훈련</a:t>
-            </a:r>
-            <a:endParaRPr lang="en-US" altLang="ko-KR" sz="1200" dirty="0"/>
-          </a:p>
-          <a:p>
-            <a:r>
-              <a:rPr lang="ko-KR" altLang="en-US" sz="1200" dirty="0"/>
-              <a:t>내용 통신</a:t>
-            </a:r>
-          </a:p>
-        </p:txBody>
-      </p:sp>
-      <p:sp>
-        <p:nvSpPr>
-          <p:cNvPr id="30" name="TextBox 29">
-            <a:extLst>
-              <a:ext uri="{FF2B5EF4-FFF2-40B4-BE49-F238E27FC236}">
-                <a16:creationId xmlns:a16="http://schemas.microsoft.com/office/drawing/2014/main" id="{A460A19B-2470-47E5-A67E-6BBC221DD169}"/>
-              </a:ext>
-            </a:extLst>
-          </p:cNvPr>
-          <p:cNvSpPr txBox="1"/>
-          <p:nvPr/>
-        </p:nvSpPr>
-        <p:spPr>
-          <a:xfrm>
-            <a:off x="4702266" y="2441370"/>
-            <a:ext cx="1384598" cy="646331"/>
-          </a:xfrm>
-          <a:prstGeom prst="rect">
-            <a:avLst/>
-          </a:prstGeom>
-          <a:noFill/>
-        </p:spPr>
-        <p:txBody>
-          <a:bodyPr wrap="square" rtlCol="0">
-            <a:spAutoFit/>
-          </a:bodyPr>
-          <a:lstStyle/>
-          <a:p>
-            <a:pPr algn="r"/>
-            <a:r>
-              <a:rPr lang="ko-KR" altLang="en-US" sz="1200" dirty="0"/>
-              <a:t>명령어 훈련</a:t>
-            </a:r>
-            <a:r>
-              <a:rPr lang="en-US" altLang="ko-KR" sz="1200" dirty="0"/>
-              <a:t>, </a:t>
-            </a:r>
-            <a:r>
-              <a:rPr lang="ko-KR" altLang="en-US" sz="1200" dirty="0"/>
-              <a:t>놀이 시스템</a:t>
-            </a:r>
-            <a:r>
-              <a:rPr lang="en-US" altLang="ko-KR" sz="1200" dirty="0"/>
-              <a:t>, </a:t>
-            </a:r>
-            <a:r>
-              <a:rPr lang="ko-KR" altLang="en-US" sz="1200" dirty="0"/>
-              <a:t>관리 시스템 내용 통신</a:t>
-            </a:r>
-          </a:p>
-        </p:txBody>
-      </p:sp>
-      <p:sp>
-        <p:nvSpPr>
-          <p:cNvPr id="32" name="TextBox 31">
-            <a:extLst>
-              <a:ext uri="{FF2B5EF4-FFF2-40B4-BE49-F238E27FC236}">
-                <a16:creationId xmlns:a16="http://schemas.microsoft.com/office/drawing/2014/main" id="{AA8C4638-1AAD-4313-9797-AFBAC30DF146}"/>
-              </a:ext>
-            </a:extLst>
-          </p:cNvPr>
-          <p:cNvSpPr txBox="1"/>
-          <p:nvPr/>
-        </p:nvSpPr>
-        <p:spPr>
-          <a:xfrm>
-            <a:off x="7288849" y="2494364"/>
-            <a:ext cx="1787102" cy="646331"/>
-          </a:xfrm>
-          <a:prstGeom prst="rect">
-            <a:avLst/>
-          </a:prstGeom>
-          <a:noFill/>
-        </p:spPr>
-        <p:txBody>
-          <a:bodyPr wrap="square" rtlCol="0">
-            <a:spAutoFit/>
-          </a:bodyPr>
-          <a:lstStyle/>
-          <a:p>
-            <a:pPr algn="r"/>
-            <a:r>
-              <a:rPr lang="ko-KR" altLang="en-US" sz="1200" dirty="0"/>
-              <a:t>명령어 훈련</a:t>
-            </a:r>
-            <a:r>
-              <a:rPr lang="en-US" altLang="ko-KR" sz="1200" dirty="0"/>
-              <a:t>,</a:t>
-            </a:r>
-          </a:p>
-          <a:p>
-            <a:pPr algn="r"/>
-            <a:r>
-              <a:rPr lang="ko-KR" altLang="en-US" sz="1200" dirty="0"/>
-              <a:t>지능발달 버튼 놀이</a:t>
-            </a:r>
-            <a:r>
-              <a:rPr lang="en-US" altLang="ko-KR" sz="1200" dirty="0"/>
-              <a:t>,</a:t>
-            </a:r>
-          </a:p>
-          <a:p>
-            <a:pPr algn="r"/>
-            <a:r>
-              <a:rPr lang="ko-KR" altLang="en-US" sz="1200" dirty="0"/>
-              <a:t>식사 제공</a:t>
-            </a:r>
-          </a:p>
-        </p:txBody>
-      </p:sp>
-      <p:cxnSp>
-        <p:nvCxnSpPr>
-          <p:cNvPr id="46" name="직선 화살표 연결선 45">
-            <a:extLst>
-              <a:ext uri="{FF2B5EF4-FFF2-40B4-BE49-F238E27FC236}">
-                <a16:creationId xmlns:a16="http://schemas.microsoft.com/office/drawing/2014/main" id="{5EDAC12A-AB7F-47FE-A52C-6F7B2A8C841C}"/>
-              </a:ext>
-            </a:extLst>
-          </p:cNvPr>
-          <p:cNvCxnSpPr>
-            <a:cxnSpLocks/>
-            <a:stCxn id="13" idx="3"/>
-            <a:endCxn id="5" idx="1"/>
-          </p:cNvCxnSpPr>
-          <p:nvPr/>
-        </p:nvCxnSpPr>
-        <p:spPr>
-          <a:xfrm>
-            <a:off x="7928905" y="2331999"/>
-            <a:ext cx="1492722" cy="1032847"/>
-          </a:xfrm>
-          <a:prstGeom prst="bentConnector3">
-            <a:avLst>
-              <a:gd name="adj1" fmla="val 79778"/>
-            </a:avLst>
-          </a:prstGeom>
-          <a:ln>
-            <a:tailEnd type="triangle"/>
-          </a:ln>
-        </p:spPr>
-        <p:style>
-          <a:lnRef idx="1">
-            <a:schemeClr val="dk1"/>
-          </a:lnRef>
-          <a:fillRef idx="0">
-            <a:schemeClr val="dk1"/>
-          </a:fillRef>
-          <a:effectRef idx="0">
-            <a:schemeClr val="dk1"/>
-          </a:effectRef>
-          <a:fontRef idx="minor">
-            <a:schemeClr val="tx1"/>
-          </a:fontRef>
-        </p:style>
-      </p:cxnSp>
-      <p:cxnSp>
-        <p:nvCxnSpPr>
-          <p:cNvPr id="54" name="직선 화살표 연결선 45">
-            <a:extLst>
-              <a:ext uri="{FF2B5EF4-FFF2-40B4-BE49-F238E27FC236}">
-                <a16:creationId xmlns:a16="http://schemas.microsoft.com/office/drawing/2014/main" id="{DB0B926C-2EA5-4C76-A829-EF559140F75E}"/>
-              </a:ext>
-            </a:extLst>
-          </p:cNvPr>
-          <p:cNvCxnSpPr>
-            <a:cxnSpLocks/>
-            <a:stCxn id="14" idx="3"/>
-            <a:endCxn id="5" idx="1"/>
-          </p:cNvCxnSpPr>
-          <p:nvPr/>
-        </p:nvCxnSpPr>
-        <p:spPr>
-          <a:xfrm flipV="1">
-            <a:off x="7928905" y="3364846"/>
-            <a:ext cx="1492722" cy="1116676"/>
-          </a:xfrm>
-          <a:prstGeom prst="bentConnector3">
-            <a:avLst>
-              <a:gd name="adj1" fmla="val 79778"/>
-            </a:avLst>
-          </a:prstGeom>
-          <a:ln>
-            <a:tailEnd type="triangle"/>
-          </a:ln>
-        </p:spPr>
-        <p:style>
-          <a:lnRef idx="1">
-            <a:schemeClr val="dk1"/>
-          </a:lnRef>
-          <a:fillRef idx="0">
-            <a:schemeClr val="dk1"/>
-          </a:fillRef>
-          <a:effectRef idx="0">
-            <a:schemeClr val="dk1"/>
-          </a:effectRef>
-          <a:fontRef idx="minor">
-            <a:schemeClr val="tx1"/>
-          </a:fontRef>
-        </p:style>
-      </p:cxnSp>
-      <p:sp>
-        <p:nvSpPr>
-          <p:cNvPr id="58" name="TextBox 57">
-            <a:extLst>
-              <a:ext uri="{FF2B5EF4-FFF2-40B4-BE49-F238E27FC236}">
-                <a16:creationId xmlns:a16="http://schemas.microsoft.com/office/drawing/2014/main" id="{5573AAFB-E898-4F15-A973-BAE95C0AD5FB}"/>
-              </a:ext>
-            </a:extLst>
-          </p:cNvPr>
-          <p:cNvSpPr txBox="1"/>
-          <p:nvPr/>
-        </p:nvSpPr>
-        <p:spPr>
-          <a:xfrm>
-            <a:off x="8274580" y="3880514"/>
-            <a:ext cx="1594513" cy="276999"/>
-          </a:xfrm>
-          <a:prstGeom prst="rect">
-            <a:avLst/>
-          </a:prstGeom>
-          <a:noFill/>
-        </p:spPr>
-        <p:txBody>
-          <a:bodyPr wrap="square" rtlCol="0">
-            <a:spAutoFit/>
-          </a:bodyPr>
-          <a:lstStyle/>
-          <a:p>
-            <a:r>
-              <a:rPr lang="ko-KR" altLang="en-US" sz="1200" dirty="0"/>
-              <a:t>배변 훈련</a:t>
-            </a:r>
-            <a:endParaRPr lang="en-US" altLang="ko-KR" sz="1200" dirty="0"/>
-          </a:p>
-        </p:txBody>
-      </p:sp>
-      <p:cxnSp>
-        <p:nvCxnSpPr>
-          <p:cNvPr id="64" name="직선 화살표 연결선 20">
-            <a:extLst>
-              <a:ext uri="{FF2B5EF4-FFF2-40B4-BE49-F238E27FC236}">
-                <a16:creationId xmlns:a16="http://schemas.microsoft.com/office/drawing/2014/main" id="{DA6735E7-000C-4A0E-8BDF-597DAEBA9348}"/>
-              </a:ext>
-            </a:extLst>
-          </p:cNvPr>
-          <p:cNvCxnSpPr>
-            <a:cxnSpLocks/>
-            <a:stCxn id="11" idx="0"/>
-            <a:endCxn id="13" idx="0"/>
-          </p:cNvCxnSpPr>
-          <p:nvPr/>
-        </p:nvCxnSpPr>
-        <p:spPr>
-          <a:xfrm rot="5400000" flipH="1" flipV="1">
-            <a:off x="3984048" y="-657514"/>
-            <a:ext cx="955343" cy="5593353"/>
-          </a:xfrm>
-          <a:prstGeom prst="bentConnector3">
-            <a:avLst>
-              <a:gd name="adj1" fmla="val 147858"/>
-            </a:avLst>
-          </a:prstGeom>
-          <a:ln>
-            <a:headEnd type="triangle"/>
-            <a:tailEnd type="triangle"/>
-          </a:ln>
-        </p:spPr>
-        <p:style>
-          <a:lnRef idx="1">
-            <a:schemeClr val="dk1"/>
-          </a:lnRef>
-          <a:fillRef idx="0">
-            <a:schemeClr val="dk1"/>
-          </a:fillRef>
-          <a:effectRef idx="0">
-            <a:schemeClr val="dk1"/>
-          </a:effectRef>
-          <a:fontRef idx="minor">
-            <a:schemeClr val="tx1"/>
-          </a:fontRef>
-        </p:style>
-      </p:cxnSp>
-      <p:sp>
-        <p:nvSpPr>
-          <p:cNvPr id="68" name="TextBox 67">
-            <a:extLst>
-              <a:ext uri="{FF2B5EF4-FFF2-40B4-BE49-F238E27FC236}">
-                <a16:creationId xmlns:a16="http://schemas.microsoft.com/office/drawing/2014/main" id="{6DDF5F0B-46A1-44C2-9850-C7A6FFCD656E}"/>
-              </a:ext>
-            </a:extLst>
-          </p:cNvPr>
-          <p:cNvSpPr txBox="1"/>
-          <p:nvPr/>
-        </p:nvSpPr>
-        <p:spPr>
-          <a:xfrm>
-            <a:off x="3664462" y="1275817"/>
-            <a:ext cx="1594513" cy="276999"/>
-          </a:xfrm>
-          <a:prstGeom prst="rect">
-            <a:avLst/>
-          </a:prstGeom>
-          <a:noFill/>
-        </p:spPr>
-        <p:txBody>
-          <a:bodyPr wrap="square" rtlCol="0">
-            <a:spAutoFit/>
-          </a:bodyPr>
-          <a:lstStyle/>
-          <a:p>
-            <a:r>
-              <a:rPr lang="ko-KR" altLang="en-US" sz="1200" dirty="0"/>
-              <a:t>음성 및 영상 통신</a:t>
-            </a:r>
-          </a:p>
-        </p:txBody>
-      </p:sp>
-      <p:sp>
-        <p:nvSpPr>
-          <p:cNvPr id="75" name="TextBox 74">
-            <a:extLst>
-              <a:ext uri="{FF2B5EF4-FFF2-40B4-BE49-F238E27FC236}">
-                <a16:creationId xmlns:a16="http://schemas.microsoft.com/office/drawing/2014/main" id="{1F62E362-BEBD-4FE9-8193-ABB1C037582C}"/>
-              </a:ext>
-            </a:extLst>
-          </p:cNvPr>
-          <p:cNvSpPr txBox="1"/>
-          <p:nvPr/>
-        </p:nvSpPr>
-        <p:spPr>
-          <a:xfrm>
-            <a:off x="9965388" y="4198805"/>
-            <a:ext cx="1594513" cy="276999"/>
-          </a:xfrm>
-          <a:prstGeom prst="rect">
-            <a:avLst/>
-          </a:prstGeom>
-          <a:noFill/>
-        </p:spPr>
-        <p:txBody>
-          <a:bodyPr wrap="square" rtlCol="0">
-            <a:spAutoFit/>
-          </a:bodyPr>
-          <a:lstStyle/>
-          <a:p>
-            <a:r>
-              <a:rPr lang="ko-KR" altLang="en-US" sz="1200" dirty="0" err="1"/>
-              <a:t>반려견</a:t>
-            </a:r>
-            <a:endParaRPr lang="ko-KR" altLang="en-US" sz="1200" dirty="0"/>
-          </a:p>
-        </p:txBody>
-      </p:sp>
-      <p:sp>
-        <p:nvSpPr>
-          <p:cNvPr id="76" name="TextBox 75">
-            <a:extLst>
-              <a:ext uri="{FF2B5EF4-FFF2-40B4-BE49-F238E27FC236}">
-                <a16:creationId xmlns:a16="http://schemas.microsoft.com/office/drawing/2014/main" id="{52AD5F83-B739-492A-9BC7-79126C748AC2}"/>
-              </a:ext>
-            </a:extLst>
-          </p:cNvPr>
-          <p:cNvSpPr txBox="1"/>
-          <p:nvPr/>
-        </p:nvSpPr>
-        <p:spPr>
-          <a:xfrm>
-            <a:off x="2228624" y="3461497"/>
-            <a:ext cx="1594513" cy="276999"/>
-          </a:xfrm>
-          <a:prstGeom prst="rect">
-            <a:avLst/>
-          </a:prstGeom>
-          <a:noFill/>
-        </p:spPr>
-        <p:txBody>
-          <a:bodyPr wrap="square" rtlCol="0">
-            <a:spAutoFit/>
-          </a:bodyPr>
-          <a:lstStyle/>
-          <a:p>
-            <a:r>
-              <a:rPr lang="ko-KR" altLang="en-US" sz="1200" dirty="0"/>
-              <a:t>훈련 내용 통신</a:t>
-            </a:r>
-          </a:p>
-        </p:txBody>
-      </p:sp>
-    </p:spTree>
-    <p:extLst>
-      <p:ext uri="{BB962C8B-B14F-4D97-AF65-F5344CB8AC3E}">
-        <p14:creationId xmlns:p14="http://schemas.microsoft.com/office/powerpoint/2010/main" val="2121453012"/>
-      </p:ext>
-    </p:extLst>
-  </p:cSld>
-  <p:clrMapOvr>
-    <a:masterClrMapping/>
-  </p:clrMapOvr>
-</p:sld>
-</file>
-
-<file path=ppt/slides/slide2.xml><?xml version="1.0" encoding="utf-8"?>
 <p:sld xmlns:a="http://schemas.openxmlformats.org/drawingml/2006/main" xmlns:r="http://schemas.openxmlformats.org/officeDocument/2006/relationships" xmlns:p="http://schemas.openxmlformats.org/presentationml/2006/main">
   <p:cSld>
     <p:spTree>
